--- a/Daily Agendas/Day18.1_SummativePreWork.pptx
+++ b/Daily Agendas/Day18.1_SummativePreWork.pptx
@@ -8,9 +8,6 @@
     <p:sldId id="257" r:id="rId2"/>
     <p:sldId id="262" r:id="rId3"/>
     <p:sldId id="263" r:id="rId4"/>
-    <p:sldId id="264" r:id="rId5"/>
-    <p:sldId id="259" r:id="rId6"/>
-    <p:sldId id="260" r:id="rId7"/>
   </p:sldIdLst>
   <p:sldSz cx="9144000" cy="6858000" type="screen4x3"/>
   <p:notesSz cx="7023100" cy="9309100"/>
@@ -111,7 +108,7 @@
   </p:defaultTextStyle>
   <p:extLst>
     <p:ext uri="{EFAFB233-063F-42B5-8137-9DF3F51BA10A}">
-      <p15:sldGuideLst xmlns:p15="http://schemas.microsoft.com/office/powerpoint/2012/main" xmlns="">
+      <p15:sldGuideLst xmlns:p15="http://schemas.microsoft.com/office/powerpoint/2012/main">
         <p15:guide id="1" orient="horz" pos="2160">
           <p15:clr>
             <a:srgbClr val="A4A3A4"/>
@@ -308,7 +305,7 @@
             <a:fld id="{1D8BD707-D9CF-40AE-B4C6-C98DA3205C09}" type="datetimeFigureOut">
               <a:rPr lang="en-US" smtClean="0"/>
               <a:pPr/>
-              <a:t>1/13/2019</a:t>
+              <a:t>1/15/2019</a:t>
             </a:fld>
             <a:endParaRPr lang="en-US"/>
           </a:p>
@@ -473,7 +470,7 @@
             <a:fld id="{1D8BD707-D9CF-40AE-B4C6-C98DA3205C09}" type="datetimeFigureOut">
               <a:rPr lang="en-US" smtClean="0"/>
               <a:pPr/>
-              <a:t>1/13/2019</a:t>
+              <a:t>1/15/2019</a:t>
             </a:fld>
             <a:endParaRPr lang="en-US"/>
           </a:p>
@@ -648,7 +645,7 @@
             <a:fld id="{1D8BD707-D9CF-40AE-B4C6-C98DA3205C09}" type="datetimeFigureOut">
               <a:rPr lang="en-US" smtClean="0"/>
               <a:pPr/>
-              <a:t>1/13/2019</a:t>
+              <a:t>1/15/2019</a:t>
             </a:fld>
             <a:endParaRPr lang="en-US"/>
           </a:p>
@@ -813,7 +810,7 @@
             <a:fld id="{1D8BD707-D9CF-40AE-B4C6-C98DA3205C09}" type="datetimeFigureOut">
               <a:rPr lang="en-US" smtClean="0"/>
               <a:pPr/>
-              <a:t>1/13/2019</a:t>
+              <a:t>1/15/2019</a:t>
             </a:fld>
             <a:endParaRPr lang="en-US"/>
           </a:p>
@@ -1055,7 +1052,7 @@
             <a:fld id="{1D8BD707-D9CF-40AE-B4C6-C98DA3205C09}" type="datetimeFigureOut">
               <a:rPr lang="en-US" smtClean="0"/>
               <a:pPr/>
-              <a:t>1/13/2019</a:t>
+              <a:t>1/15/2019</a:t>
             </a:fld>
             <a:endParaRPr lang="en-US"/>
           </a:p>
@@ -1337,7 +1334,7 @@
             <a:fld id="{1D8BD707-D9CF-40AE-B4C6-C98DA3205C09}" type="datetimeFigureOut">
               <a:rPr lang="en-US" smtClean="0"/>
               <a:pPr/>
-              <a:t>1/13/2019</a:t>
+              <a:t>1/15/2019</a:t>
             </a:fld>
             <a:endParaRPr lang="en-US"/>
           </a:p>
@@ -1753,7 +1750,7 @@
             <a:fld id="{1D8BD707-D9CF-40AE-B4C6-C98DA3205C09}" type="datetimeFigureOut">
               <a:rPr lang="en-US" smtClean="0"/>
               <a:pPr/>
-              <a:t>1/13/2019</a:t>
+              <a:t>1/15/2019</a:t>
             </a:fld>
             <a:endParaRPr lang="en-US"/>
           </a:p>
@@ -1867,7 +1864,7 @@
             <a:fld id="{1D8BD707-D9CF-40AE-B4C6-C98DA3205C09}" type="datetimeFigureOut">
               <a:rPr lang="en-US" smtClean="0"/>
               <a:pPr/>
-              <a:t>1/13/2019</a:t>
+              <a:t>1/15/2019</a:t>
             </a:fld>
             <a:endParaRPr lang="en-US"/>
           </a:p>
@@ -1959,7 +1956,7 @@
             <a:fld id="{1D8BD707-D9CF-40AE-B4C6-C98DA3205C09}" type="datetimeFigureOut">
               <a:rPr lang="en-US" smtClean="0"/>
               <a:pPr/>
-              <a:t>1/13/2019</a:t>
+              <a:t>1/15/2019</a:t>
             </a:fld>
             <a:endParaRPr lang="en-US"/>
           </a:p>
@@ -2231,7 +2228,7 @@
             <a:fld id="{1D8BD707-D9CF-40AE-B4C6-C98DA3205C09}" type="datetimeFigureOut">
               <a:rPr lang="en-US" smtClean="0"/>
               <a:pPr/>
-              <a:t>1/13/2019</a:t>
+              <a:t>1/15/2019</a:t>
             </a:fld>
             <a:endParaRPr lang="en-US"/>
           </a:p>
@@ -2480,7 +2477,7 @@
             <a:fld id="{1D8BD707-D9CF-40AE-B4C6-C98DA3205C09}" type="datetimeFigureOut">
               <a:rPr lang="en-US" smtClean="0"/>
               <a:pPr/>
-              <a:t>1/13/2019</a:t>
+              <a:t>1/15/2019</a:t>
             </a:fld>
             <a:endParaRPr lang="en-US"/>
           </a:p>
@@ -2688,7 +2685,7 @@
             <a:fld id="{1D8BD707-D9CF-40AE-B4C6-C98DA3205C09}" type="datetimeFigureOut">
               <a:rPr lang="en-US" smtClean="0"/>
               <a:pPr/>
-              <a:t>1/13/2019</a:t>
+              <a:t>1/15/2019</a:t>
             </a:fld>
             <a:endParaRPr lang="en-US"/>
           </a:p>
@@ -3080,10 +3077,6 @@
               <a:rPr lang="en-US" sz="3600" dirty="0" smtClean="0"/>
               <a:t>Summative Pre-Work – Jan 14 </a:t>
             </a:r>
-            <a:r>
-              <a:rPr lang="en-US" sz="3600" dirty="0" smtClean="0"/>
-              <a:t/>
-            </a:r>
             <a:br>
               <a:rPr lang="en-US" sz="3600" dirty="0" smtClean="0"/>
             </a:br>
@@ -3183,17 +3176,29 @@
           <a:p>
             <a:pPr lvl="1"/>
             <a:r>
-              <a:rPr lang="en-CA" sz="2400" dirty="0" smtClean="0"/>
+              <a:rPr lang="en-CA" sz="2400" dirty="0" smtClean="0">
+                <a:solidFill>
+                  <a:srgbClr val="FF0000"/>
+                </a:solidFill>
+              </a:rPr>
               <a:t>Friday, Jan 18: Summative Part 1</a:t>
             </a:r>
           </a:p>
           <a:p>
             <a:pPr lvl="1"/>
             <a:r>
-              <a:rPr lang="en-CA" sz="2400" smtClean="0"/>
+              <a:rPr lang="en-CA" sz="2400" dirty="0" smtClean="0">
+                <a:solidFill>
+                  <a:srgbClr val="FF0000"/>
+                </a:solidFill>
+              </a:rPr>
               <a:t>Mon-Wed, Jan 21-23: Summative Parts 2 &amp; 3</a:t>
             </a:r>
-            <a:endParaRPr lang="en-US" sz="2400" dirty="0"/>
+            <a:endParaRPr lang="en-US" sz="2400" dirty="0">
+              <a:solidFill>
+                <a:srgbClr val="FF0000"/>
+              </a:solidFill>
+            </a:endParaRPr>
           </a:p>
         </p:txBody>
       </p:sp>
@@ -3248,11 +3253,11 @@
           <a:p>
             <a:r>
               <a:rPr lang="en-US" sz="3600" dirty="0" smtClean="0"/>
-              <a:t>Coder / De-Coder – </a:t>
-            </a:r>
-            <a:r>
-              <a:rPr lang="en-US" sz="3600" smtClean="0"/>
-              <a:t>Jan 10</a:t>
+              <a:t>Coder / De-Coder – Jan </a:t>
+            </a:r>
+            <a:r>
+              <a:rPr lang="en-US" sz="3600" dirty="0" smtClean="0"/>
+              <a:t>14</a:t>
             </a:r>
             <a:r>
               <a:rPr lang="en-US" sz="3600" dirty="0" smtClean="0"/>
@@ -3295,50 +3300,48 @@
           <a:p>
             <a:pPr lvl="1"/>
             <a:r>
+              <a:rPr lang="en-CA" dirty="0"/>
+              <a:t>Unity Game</a:t>
+            </a:r>
+          </a:p>
+          <a:p>
+            <a:pPr lvl="2"/>
+            <a:r>
+              <a:rPr lang="en-CA" dirty="0"/>
+              <a:t>Continue Tutorials</a:t>
+            </a:r>
+          </a:p>
+          <a:p>
+            <a:pPr lvl="2"/>
+            <a:r>
               <a:rPr lang="en-CA" dirty="0" smtClean="0"/>
-              <a:t>Convert Module B.7 to Java</a:t>
-            </a:r>
+              <a:t>Design &amp; Implement</a:t>
+            </a:r>
+            <a:endParaRPr lang="en-CA" dirty="0"/>
           </a:p>
           <a:p>
             <a:pPr lvl="1"/>
             <a:r>
               <a:rPr lang="en-CA" dirty="0"/>
-              <a:t>Module B.7 Coder / De-Coder</a:t>
+              <a:t>Marks Spreadsheet</a:t>
             </a:r>
           </a:p>
           <a:p>
             <a:pPr lvl="2"/>
             <a:r>
               <a:rPr lang="en-CA" dirty="0"/>
-              <a:t>Level 1 / 2 – Complete Yesterday</a:t>
+              <a:t>Review / Complete missing work</a:t>
             </a:r>
           </a:p>
           <a:p>
             <a:pPr lvl="2"/>
             <a:r>
+              <a:rPr lang="en-CA" dirty="0" smtClean="0"/>
+              <a:t>Module </a:t>
+            </a:r>
+            <a:r>
               <a:rPr lang="en-CA" dirty="0"/>
-              <a:t>Level 3 – Complete by Tomorrow</a:t>
-            </a:r>
-          </a:p>
-          <a:p>
-            <a:pPr lvl="1"/>
-            <a:r>
-              <a:rPr lang="en-CA" dirty="0" smtClean="0"/>
-              <a:t>Unity Game</a:t>
-            </a:r>
-          </a:p>
-          <a:p>
-            <a:pPr lvl="2"/>
-            <a:r>
-              <a:rPr lang="en-CA" dirty="0" smtClean="0"/>
-              <a:t>Continue Tutorials</a:t>
-            </a:r>
-          </a:p>
-          <a:p>
-            <a:pPr lvl="2"/>
-            <a:r>
-              <a:rPr lang="en-CA" dirty="0" smtClean="0"/>
-              <a:t>Plan &amp; Design</a:t>
+              <a:t>B.7 Coder / De-Coder</a:t>
             </a:r>
           </a:p>
           <a:p>
@@ -3355,16 +3358,110 @@
             <a:pPr lvl="1"/>
             <a:r>
               <a:rPr lang="en-CA" sz="2400" dirty="0" smtClean="0"/>
-              <a:t>January Schedule</a:t>
-            </a:r>
-            <a:endParaRPr lang="en-US" sz="2400" dirty="0"/>
+              <a:t>Friday, </a:t>
+            </a:r>
+            <a:r>
+              <a:rPr lang="en-CA" sz="2400" dirty="0"/>
+              <a:t>Jan </a:t>
+            </a:r>
+            <a:r>
+              <a:rPr lang="en-CA" sz="2400" dirty="0" smtClean="0"/>
+              <a:t>18: </a:t>
+            </a:r>
+            <a:r>
+              <a:rPr lang="en-CA" sz="2400" dirty="0"/>
+              <a:t>Course Review / Organization</a:t>
+            </a:r>
+          </a:p>
+          <a:p>
+            <a:pPr lvl="1"/>
+            <a:r>
+              <a:rPr lang="en-CA" sz="2400" dirty="0" smtClean="0">
+                <a:solidFill>
+                  <a:srgbClr val="FF0000"/>
+                </a:solidFill>
+              </a:rPr>
+              <a:t>Monday, </a:t>
+            </a:r>
+            <a:r>
+              <a:rPr lang="en-CA" sz="2400" dirty="0">
+                <a:solidFill>
+                  <a:srgbClr val="FF0000"/>
+                </a:solidFill>
+              </a:rPr>
+              <a:t>Jan </a:t>
+            </a:r>
+            <a:r>
+              <a:rPr lang="en-CA" sz="2400" dirty="0" smtClean="0">
+                <a:solidFill>
+                  <a:srgbClr val="FF0000"/>
+                </a:solidFill>
+              </a:rPr>
+              <a:t>21: </a:t>
+            </a:r>
+            <a:r>
+              <a:rPr lang="en-CA" sz="2400" dirty="0">
+                <a:solidFill>
+                  <a:srgbClr val="FF0000"/>
+                </a:solidFill>
+              </a:rPr>
+              <a:t>Summative Part 1</a:t>
+            </a:r>
+          </a:p>
+          <a:p>
+            <a:pPr lvl="1"/>
+            <a:r>
+              <a:rPr lang="en-CA" sz="2400" dirty="0" smtClean="0">
+                <a:solidFill>
+                  <a:srgbClr val="FF0000"/>
+                </a:solidFill>
+              </a:rPr>
+              <a:t>Tuesday, </a:t>
+            </a:r>
+            <a:r>
+              <a:rPr lang="en-CA" sz="2400" dirty="0">
+                <a:solidFill>
+                  <a:srgbClr val="FF0000"/>
+                </a:solidFill>
+              </a:rPr>
+              <a:t>Jan </a:t>
+            </a:r>
+            <a:r>
+              <a:rPr lang="en-CA" sz="2400" dirty="0" smtClean="0">
+                <a:solidFill>
+                  <a:srgbClr val="FF0000"/>
+                </a:solidFill>
+              </a:rPr>
+              <a:t>22: </a:t>
+            </a:r>
+            <a:r>
+              <a:rPr lang="en-CA" sz="2400" dirty="0">
+                <a:solidFill>
+                  <a:srgbClr val="FF0000"/>
+                </a:solidFill>
+              </a:rPr>
+              <a:t>Summative </a:t>
+            </a:r>
+            <a:r>
+              <a:rPr lang="en-CA" sz="2400" dirty="0" smtClean="0">
+                <a:solidFill>
+                  <a:srgbClr val="FF0000"/>
+                </a:solidFill>
+              </a:rPr>
+              <a:t>Part  2</a:t>
+            </a:r>
+            <a:endParaRPr lang="en-US" sz="2400" dirty="0">
+              <a:solidFill>
+                <a:srgbClr val="FF0000"/>
+              </a:solidFill>
+            </a:endParaRPr>
           </a:p>
         </p:txBody>
       </p:sp>
     </p:spTree>
     <p:extLst>
       <p:ext uri="{BB962C8B-B14F-4D97-AF65-F5344CB8AC3E}">
-        <p14:creationId xmlns:p14="http://schemas.microsoft.com/office/powerpoint/2010/main" xmlns="" val="2912875861"/>
+        <p14:creationId xmlns:p14="http://schemas.microsoft.com/office/powerpoint/2010/main" val="2912875861"/>
       </p:ext>
     </p:extLst>
   </p:cSld>
@@ -3415,7 +3512,7 @@
           <a:p>
             <a:r>
               <a:rPr lang="en-CA" dirty="0" smtClean="0"/>
-              <a:t>Substitution Code</a:t>
+              <a:t>Random Number Generator</a:t>
             </a:r>
             <a:endParaRPr lang="en-US" dirty="0"/>
           </a:p>
@@ -3436,59 +3533,86 @@
           <a:bodyPr/>
           <a:lstStyle/>
           <a:p>
+            <a:pPr marL="0" indent="0">
+              <a:buNone/>
+            </a:pPr>
+            <a:r>
+              <a:rPr lang="en-US" dirty="0"/>
+              <a:t>from random import *</a:t>
+            </a:r>
+          </a:p>
+          <a:p>
+            <a:pPr marL="0" indent="0">
+              <a:buNone/>
+            </a:pPr>
+            <a:r>
+              <a:rPr lang="en-US" dirty="0" err="1"/>
+              <a:t>randomNumber</a:t>
+            </a:r>
+            <a:r>
+              <a:rPr lang="en-US" dirty="0"/>
+              <a:t> = </a:t>
+            </a:r>
+            <a:r>
+              <a:rPr lang="en-US" dirty="0" err="1"/>
+              <a:t>randint</a:t>
+            </a:r>
+            <a:r>
+              <a:rPr lang="en-US" dirty="0"/>
+              <a:t>(0,2</a:t>
+            </a:r>
+            <a:r>
+              <a:rPr lang="en-US" dirty="0" smtClean="0"/>
+              <a:t>)</a:t>
+            </a:r>
+          </a:p>
+          <a:p>
+            <a:pPr marL="0" indent="0">
+              <a:buNone/>
+            </a:pPr>
             <a:r>
               <a:rPr lang="en-CA" dirty="0" smtClean="0"/>
-              <a:t>Google “Substitution Code”</a:t>
+              <a:t>Print(</a:t>
+            </a:r>
+            <a:r>
+              <a:rPr lang="en-CA" dirty="0" err="1" smtClean="0"/>
+              <a:t>randomNumber</a:t>
+            </a:r>
+            <a:r>
+              <a:rPr lang="en-CA" dirty="0" smtClean="0"/>
+              <a:t>)</a:t>
             </a:r>
             <a:endParaRPr lang="en-US" dirty="0"/>
           </a:p>
-        </p:txBody>
-      </p:sp>
-      <p:pic>
-        <p:nvPicPr>
-          <p:cNvPr id="1028" name="Picture 4" descr="https://upload.wikimedia.org/wikipedia/commons/thumb/4/4a/Caesar_cipher_left_shift_of_3.svg/220px-Caesar_cipher_left_shift_of_3.svg.png"/>
-          <p:cNvPicPr>
-            <a:picLocks noChangeAspect="1" noChangeArrowheads="1"/>
-          </p:cNvPicPr>
-          <p:nvPr/>
-        </p:nvPicPr>
-        <p:blipFill>
-          <a:blip r:embed="rId2" cstate="print">
-            <a:extLst>
-              <a:ext uri="{28A0092B-C50C-407E-A947-70E740481C1C}">
-                <a14:useLocalDpi xmlns:a14="http://schemas.microsoft.com/office/drawing/2010/main" xmlns="" val="0"/>
-              </a:ext>
-            </a:extLst>
-          </a:blip>
-          <a:srcRect/>
-          <a:stretch>
-            <a:fillRect/>
-          </a:stretch>
-        </p:blipFill>
-        <p:spPr bwMode="auto">
-          <a:xfrm>
-            <a:off x="1447800" y="2819400"/>
-            <a:ext cx="6489290" cy="2743200"/>
-          </a:xfrm>
-          <a:prstGeom prst="rect">
-            <a:avLst/>
-          </a:prstGeom>
-          <a:noFill/>
-          <a:extLst>
-            <a:ext uri="{909E8E84-426E-40DD-AFC4-6F175D3DCCD1}">
-              <a14:hiddenFill xmlns:a14="http://schemas.microsoft.com/office/drawing/2010/main" xmlns="">
-                <a:solidFill>
-                  <a:srgbClr val="FFFFFF"/>
-                </a:solidFill>
-              </a14:hiddenFill>
-            </a:ext>
-          </a:extLst>
-        </p:spPr>
-      </p:pic>
+          <a:p>
+            <a:pPr marL="0" indent="0">
+              <a:buNone/>
+            </a:pPr>
+            <a:endParaRPr lang="en-CA" dirty="0" smtClean="0"/>
+          </a:p>
+          <a:p>
+            <a:pPr marL="0" indent="0">
+              <a:buNone/>
+            </a:pPr>
+            <a:r>
+              <a:rPr lang="en-CA" dirty="0" smtClean="0"/>
+              <a:t># This will generate a random number </a:t>
+            </a:r>
+            <a:br>
+              <a:rPr lang="en-CA" dirty="0" smtClean="0"/>
+            </a:br>
+            <a:r>
+              <a:rPr lang="en-CA" dirty="0" smtClean="0"/>
+              <a:t># Print will display a value of 0, 1, or 2</a:t>
+            </a:r>
+            <a:endParaRPr lang="en-US" dirty="0"/>
+          </a:p>
+        </p:txBody>
+      </p:sp>
     </p:spTree>
     <p:extLst>
       <p:ext uri="{BB962C8B-B14F-4D97-AF65-F5344CB8AC3E}">
-        <p14:creationId xmlns:p14="http://schemas.microsoft.com/office/powerpoint/2010/main" xmlns="" val="3041377041"/>
+        <p14:creationId xmlns:p14="http://schemas.microsoft.com/office/powerpoint/2010/main" val="2642550456"/>
       </p:ext>
     </p:extLst>
   </p:cSld>
@@ -3502,564 +3626,6 @@
       </p:par>
     </p:tnLst>
   </p:timing>
-</p:sld>
-</file>
-
-<file path=ppt/slides/slide4.xml><?xml version="1.0" encoding="utf-8"?>
-<p:sld xmlns:a="http://schemas.openxmlformats.org/drawingml/2006/main" xmlns:r="http://schemas.openxmlformats.org/officeDocument/2006/relationships" xmlns:p="http://schemas.openxmlformats.org/presentationml/2006/main">
-  <p:cSld>
-    <p:spTree>
-      <p:nvGrpSpPr>
-        <p:cNvPr id="1" name=""/>
-        <p:cNvGrpSpPr/>
-        <p:nvPr/>
-      </p:nvGrpSpPr>
-      <p:grpSpPr>
-        <a:xfrm>
-          <a:off x="0" y="0"/>
-          <a:ext cx="0" cy="0"/>
-          <a:chOff x="0" y="0"/>
-          <a:chExt cx="0" cy="0"/>
-        </a:xfrm>
-      </p:grpSpPr>
-      <p:sp>
-        <p:nvSpPr>
-          <p:cNvPr id="2" name="Title 1"/>
-          <p:cNvSpPr>
-            <a:spLocks noGrp="1"/>
-          </p:cNvSpPr>
-          <p:nvPr>
-            <p:ph type="title"/>
-          </p:nvPr>
-        </p:nvSpPr>
-        <p:spPr/>
-        <p:txBody>
-          <a:bodyPr/>
-          <a:lstStyle/>
-          <a:p>
-            <a:r>
-              <a:rPr lang="en-CA" dirty="0" smtClean="0"/>
-              <a:t>Substitution Code</a:t>
-            </a:r>
-            <a:endParaRPr lang="en-US" dirty="0"/>
-          </a:p>
-        </p:txBody>
-      </p:sp>
-      <p:sp>
-        <p:nvSpPr>
-          <p:cNvPr id="3" name="Content Placeholder 2"/>
-          <p:cNvSpPr>
-            <a:spLocks noGrp="1"/>
-          </p:cNvSpPr>
-          <p:nvPr>
-            <p:ph idx="1"/>
-          </p:nvPr>
-        </p:nvSpPr>
-        <p:spPr/>
-        <p:txBody>
-          <a:bodyPr/>
-          <a:lstStyle/>
-          <a:p>
-            <a:r>
-              <a:rPr lang="en-CA" dirty="0" smtClean="0"/>
-              <a:t>Google “Substitution Code”</a:t>
-            </a:r>
-            <a:endParaRPr lang="en-US" dirty="0"/>
-          </a:p>
-        </p:txBody>
-      </p:sp>
-      <p:pic>
-        <p:nvPicPr>
-          <p:cNvPr id="2050" name="Picture 2" descr="Image result for substitution code"/>
-          <p:cNvPicPr>
-            <a:picLocks noChangeAspect="1" noChangeArrowheads="1"/>
-          </p:cNvPicPr>
-          <p:nvPr/>
-        </p:nvPicPr>
-        <p:blipFill>
-          <a:blip r:embed="rId2" cstate="print">
-            <a:extLst>
-              <a:ext uri="{28A0092B-C50C-407E-A947-70E740481C1C}">
-                <a14:useLocalDpi xmlns:a14="http://schemas.microsoft.com/office/drawing/2010/main" xmlns="" val="0"/>
-              </a:ext>
-            </a:extLst>
-          </a:blip>
-          <a:srcRect/>
-          <a:stretch>
-            <a:fillRect/>
-          </a:stretch>
-        </p:blipFill>
-        <p:spPr bwMode="auto">
-          <a:xfrm>
-            <a:off x="914400" y="2438400"/>
-            <a:ext cx="6597219" cy="4143376"/>
-          </a:xfrm>
-          <a:prstGeom prst="rect">
-            <a:avLst/>
-          </a:prstGeom>
-          <a:noFill/>
-          <a:extLst>
-            <a:ext uri="{909E8E84-426E-40DD-AFC4-6F175D3DCCD1}">
-              <a14:hiddenFill xmlns:a14="http://schemas.microsoft.com/office/drawing/2010/main" xmlns="">
-                <a:solidFill>
-                  <a:srgbClr val="FFFFFF"/>
-                </a:solidFill>
-              </a14:hiddenFill>
-            </a:ext>
-          </a:extLst>
-        </p:spPr>
-      </p:pic>
-    </p:spTree>
-    <p:extLst>
-      <p:ext uri="{BB962C8B-B14F-4D97-AF65-F5344CB8AC3E}">
-        <p14:creationId xmlns:p14="http://schemas.microsoft.com/office/powerpoint/2010/main" xmlns="" val="2032751694"/>
-      </p:ext>
-    </p:extLst>
-  </p:cSld>
-  <p:clrMapOvr>
-    <a:masterClrMapping/>
-  </p:clrMapOvr>
-  <p:timing>
-    <p:tnLst>
-      <p:par>
-        <p:cTn id="1" dur="indefinite" restart="never" nodeType="tmRoot"/>
-      </p:par>
-    </p:tnLst>
-  </p:timing>
-</p:sld>
-</file>
-
-<file path=ppt/slides/slide5.xml><?xml version="1.0" encoding="utf-8"?>
-<p:sld xmlns:a="http://schemas.openxmlformats.org/drawingml/2006/main" xmlns:r="http://schemas.openxmlformats.org/officeDocument/2006/relationships" xmlns:p="http://schemas.openxmlformats.org/presentationml/2006/main">
-  <p:cSld>
-    <p:spTree>
-      <p:nvGrpSpPr>
-        <p:cNvPr id="1" name=""/>
-        <p:cNvGrpSpPr/>
-        <p:nvPr/>
-      </p:nvGrpSpPr>
-      <p:grpSpPr>
-        <a:xfrm>
-          <a:off x="0" y="0"/>
-          <a:ext cx="0" cy="0"/>
-          <a:chOff x="0" y="0"/>
-          <a:chExt cx="0" cy="0"/>
-        </a:xfrm>
-      </p:grpSpPr>
-      <p:sp>
-        <p:nvSpPr>
-          <p:cNvPr id="2" name="Title 1"/>
-          <p:cNvSpPr>
-            <a:spLocks noGrp="1"/>
-          </p:cNvSpPr>
-          <p:nvPr>
-            <p:ph type="title"/>
-          </p:nvPr>
-        </p:nvSpPr>
-        <p:spPr/>
-        <p:txBody>
-          <a:bodyPr/>
-          <a:lstStyle/>
-          <a:p>
-            <a:r>
-              <a:rPr lang="en-CA" dirty="0" smtClean="0"/>
-              <a:t>Decode This Message</a:t>
-            </a:r>
-            <a:endParaRPr lang="en-US" dirty="0"/>
-          </a:p>
-        </p:txBody>
-      </p:sp>
-      <p:sp>
-        <p:nvSpPr>
-          <p:cNvPr id="3" name="Content Placeholder 2"/>
-          <p:cNvSpPr>
-            <a:spLocks noGrp="1"/>
-          </p:cNvSpPr>
-          <p:nvPr>
-            <p:ph idx="1"/>
-          </p:nvPr>
-        </p:nvSpPr>
-        <p:spPr>
-          <a:xfrm>
-            <a:off x="457200" y="1600200"/>
-            <a:ext cx="2362200" cy="5144786"/>
-          </a:xfrm>
-        </p:spPr>
-        <p:txBody>
-          <a:bodyPr>
-            <a:normAutofit/>
-          </a:bodyPr>
-          <a:lstStyle/>
-          <a:p>
-            <a:pPr marL="0" indent="0">
-              <a:buNone/>
-            </a:pPr>
-            <a:r>
-              <a:rPr lang="en-CA" sz="2400" dirty="0" smtClean="0"/>
-              <a:t>73 32 104 111 </a:t>
-            </a:r>
-          </a:p>
-          <a:p>
-            <a:pPr marL="0" indent="0">
-              <a:buNone/>
-            </a:pPr>
-            <a:r>
-              <a:rPr lang="en-CA" sz="2400" dirty="0" smtClean="0"/>
-              <a:t>112 101 32 121</a:t>
-            </a:r>
-          </a:p>
-          <a:p>
-            <a:pPr marL="0" indent="0">
-              <a:buNone/>
-            </a:pPr>
-            <a:r>
-              <a:rPr lang="en-CA" sz="2400" dirty="0" smtClean="0"/>
-              <a:t>111 117 32 119</a:t>
-            </a:r>
-          </a:p>
-          <a:p>
-            <a:pPr marL="0" indent="0">
-              <a:buNone/>
-            </a:pPr>
-            <a:r>
-              <a:rPr lang="en-CA" sz="2400" dirty="0" smtClean="0"/>
-              <a:t>105 108 108 32</a:t>
-            </a:r>
-          </a:p>
-          <a:p>
-            <a:pPr marL="0" indent="0">
-              <a:buNone/>
-            </a:pPr>
-            <a:r>
-              <a:rPr lang="en-CA" sz="2400" dirty="0" smtClean="0"/>
-              <a:t>101 110 106 111</a:t>
-            </a:r>
-          </a:p>
-          <a:p>
-            <a:pPr marL="0" indent="0">
-              <a:buNone/>
-            </a:pPr>
-            <a:r>
-              <a:rPr lang="en-CA" sz="2400" dirty="0" smtClean="0"/>
-              <a:t>121 32 111 117 </a:t>
-            </a:r>
-          </a:p>
-          <a:p>
-            <a:pPr marL="0" indent="0">
-              <a:buNone/>
-            </a:pPr>
-            <a:r>
-              <a:rPr lang="en-CA" sz="2400" dirty="0" smtClean="0"/>
-              <a:t>114 32 110 101</a:t>
-            </a:r>
-          </a:p>
-          <a:p>
-            <a:pPr marL="0" indent="0">
-              <a:buNone/>
-            </a:pPr>
-            <a:r>
-              <a:rPr lang="en-CA" sz="2400" dirty="0" smtClean="0"/>
-              <a:t>120 116 32 97</a:t>
-            </a:r>
-          </a:p>
-          <a:p>
-            <a:pPr marL="0" indent="0">
-              <a:buNone/>
-            </a:pPr>
-            <a:r>
-              <a:rPr lang="en-CA" sz="2400" dirty="0" smtClean="0"/>
-              <a:t>115 115 105 103</a:t>
-            </a:r>
-          </a:p>
-          <a:p>
-            <a:pPr marL="0" indent="0">
-              <a:buNone/>
-            </a:pPr>
-            <a:r>
-              <a:rPr lang="en-CA" sz="2400" dirty="0" smtClean="0"/>
-              <a:t>110 109 101 110</a:t>
-            </a:r>
-          </a:p>
-          <a:p>
-            <a:pPr marL="0" indent="0">
-              <a:buNone/>
-            </a:pPr>
-            <a:r>
-              <a:rPr lang="en-CA" sz="2400" dirty="0" smtClean="0"/>
-              <a:t>116 33</a:t>
-            </a:r>
-            <a:endParaRPr lang="en-US" sz="2400" dirty="0"/>
-          </a:p>
-        </p:txBody>
-      </p:sp>
-      <p:pic>
-        <p:nvPicPr>
-          <p:cNvPr id="1026" name="Picture 2" descr="Image result for ascii table"/>
-          <p:cNvPicPr>
-            <a:picLocks noChangeAspect="1" noChangeArrowheads="1"/>
-          </p:cNvPicPr>
-          <p:nvPr/>
-        </p:nvPicPr>
-        <p:blipFill>
-          <a:blip r:embed="rId2" cstate="print">
-            <a:extLst>
-              <a:ext uri="{28A0092B-C50C-407E-A947-70E740481C1C}">
-                <a14:useLocalDpi xmlns:a14="http://schemas.microsoft.com/office/drawing/2010/main" xmlns="" val="0"/>
-              </a:ext>
-            </a:extLst>
-          </a:blip>
-          <a:srcRect/>
-          <a:stretch>
-            <a:fillRect/>
-          </a:stretch>
-        </p:blipFill>
-        <p:spPr bwMode="auto">
-          <a:xfrm>
-            <a:off x="2971800" y="1417638"/>
-            <a:ext cx="5562600" cy="5327348"/>
-          </a:xfrm>
-          <a:prstGeom prst="rect">
-            <a:avLst/>
-          </a:prstGeom>
-          <a:noFill/>
-          <a:extLst>
-            <a:ext uri="{909E8E84-426E-40DD-AFC4-6F175D3DCCD1}">
-              <a14:hiddenFill xmlns:a14="http://schemas.microsoft.com/office/drawing/2010/main" xmlns="">
-                <a:solidFill>
-                  <a:srgbClr val="FFFFFF"/>
-                </a:solidFill>
-              </a14:hiddenFill>
-            </a:ext>
-          </a:extLst>
-        </p:spPr>
-      </p:pic>
-    </p:spTree>
-    <p:extLst>
-      <p:ext uri="{BB962C8B-B14F-4D97-AF65-F5344CB8AC3E}">
-        <p14:creationId xmlns:p14="http://schemas.microsoft.com/office/powerpoint/2010/main" xmlns="" val="3856801629"/>
-      </p:ext>
-    </p:extLst>
-  </p:cSld>
-  <p:clrMapOvr>
-    <a:masterClrMapping/>
-  </p:clrMapOvr>
-</p:sld>
-</file>
-
-<file path=ppt/slides/slide6.xml><?xml version="1.0" encoding="utf-8"?>
-<p:sld xmlns:a="http://schemas.openxmlformats.org/drawingml/2006/main" xmlns:r="http://schemas.openxmlformats.org/officeDocument/2006/relationships" xmlns:p="http://schemas.openxmlformats.org/presentationml/2006/main">
-  <p:cSld>
-    <p:spTree>
-      <p:nvGrpSpPr>
-        <p:cNvPr id="1" name=""/>
-        <p:cNvGrpSpPr/>
-        <p:nvPr/>
-      </p:nvGrpSpPr>
-      <p:grpSpPr>
-        <a:xfrm>
-          <a:off x="0" y="0"/>
-          <a:ext cx="0" cy="0"/>
-          <a:chOff x="0" y="0"/>
-          <a:chExt cx="0" cy="0"/>
-        </a:xfrm>
-      </p:grpSpPr>
-      <p:sp>
-        <p:nvSpPr>
-          <p:cNvPr id="2" name="Title 1"/>
-          <p:cNvSpPr>
-            <a:spLocks noGrp="1"/>
-          </p:cNvSpPr>
-          <p:nvPr>
-            <p:ph type="title"/>
-          </p:nvPr>
-        </p:nvSpPr>
-        <p:spPr/>
-        <p:txBody>
-          <a:bodyPr/>
-          <a:lstStyle/>
-          <a:p>
-            <a:r>
-              <a:rPr lang="en-CA" dirty="0" smtClean="0"/>
-              <a:t>Decode This Message</a:t>
-            </a:r>
-            <a:endParaRPr lang="en-US" dirty="0"/>
-          </a:p>
-        </p:txBody>
-      </p:sp>
-      <p:sp>
-        <p:nvSpPr>
-          <p:cNvPr id="3" name="Content Placeholder 2"/>
-          <p:cNvSpPr>
-            <a:spLocks noGrp="1"/>
-          </p:cNvSpPr>
-          <p:nvPr>
-            <p:ph idx="1"/>
-          </p:nvPr>
-        </p:nvSpPr>
-        <p:spPr>
-          <a:xfrm>
-            <a:off x="457200" y="1600200"/>
-            <a:ext cx="2362200" cy="5144786"/>
-          </a:xfrm>
-        </p:spPr>
-        <p:txBody>
-          <a:bodyPr>
-            <a:normAutofit/>
-          </a:bodyPr>
-          <a:lstStyle/>
-          <a:p>
-            <a:pPr marL="0" indent="0">
-              <a:buNone/>
-            </a:pPr>
-            <a:r>
-              <a:rPr lang="en-CA" sz="2400" dirty="0" smtClean="0"/>
-              <a:t>73 32 104 111 </a:t>
-            </a:r>
-          </a:p>
-          <a:p>
-            <a:pPr marL="0" indent="0">
-              <a:buNone/>
-            </a:pPr>
-            <a:r>
-              <a:rPr lang="en-CA" sz="2400" dirty="0" smtClean="0"/>
-              <a:t>112 101 32 121</a:t>
-            </a:r>
-          </a:p>
-          <a:p>
-            <a:pPr marL="0" indent="0">
-              <a:buNone/>
-            </a:pPr>
-            <a:r>
-              <a:rPr lang="en-CA" sz="2400" dirty="0" smtClean="0"/>
-              <a:t>111 117 32 119</a:t>
-            </a:r>
-          </a:p>
-          <a:p>
-            <a:pPr marL="0" indent="0">
-              <a:buNone/>
-            </a:pPr>
-            <a:r>
-              <a:rPr lang="en-CA" sz="2400" dirty="0" smtClean="0"/>
-              <a:t>105 108 108 32</a:t>
-            </a:r>
-          </a:p>
-          <a:p>
-            <a:pPr marL="0" indent="0">
-              <a:buNone/>
-            </a:pPr>
-            <a:r>
-              <a:rPr lang="en-CA" sz="2400" dirty="0" smtClean="0"/>
-              <a:t>101 110 106 111</a:t>
-            </a:r>
-          </a:p>
-          <a:p>
-            <a:pPr marL="0" indent="0">
-              <a:buNone/>
-            </a:pPr>
-            <a:r>
-              <a:rPr lang="en-CA" sz="2400" dirty="0" smtClean="0"/>
-              <a:t>121 32 111 117 </a:t>
-            </a:r>
-          </a:p>
-          <a:p>
-            <a:pPr marL="0" indent="0">
-              <a:buNone/>
-            </a:pPr>
-            <a:r>
-              <a:rPr lang="en-CA" sz="2400" dirty="0" smtClean="0"/>
-              <a:t>114 32 110 101</a:t>
-            </a:r>
-          </a:p>
-          <a:p>
-            <a:pPr marL="0" indent="0">
-              <a:buNone/>
-            </a:pPr>
-            <a:r>
-              <a:rPr lang="en-CA" sz="2400" dirty="0" smtClean="0"/>
-              <a:t>120 116 32 97</a:t>
-            </a:r>
-          </a:p>
-          <a:p>
-            <a:pPr marL="0" indent="0">
-              <a:buNone/>
-            </a:pPr>
-            <a:r>
-              <a:rPr lang="en-CA" sz="2400" dirty="0" smtClean="0"/>
-              <a:t>115 115 105 103</a:t>
-            </a:r>
-          </a:p>
-          <a:p>
-            <a:pPr marL="0" indent="0">
-              <a:buNone/>
-            </a:pPr>
-            <a:r>
-              <a:rPr lang="en-CA" sz="2400" dirty="0" smtClean="0"/>
-              <a:t>110 109 101 110</a:t>
-            </a:r>
-          </a:p>
-          <a:p>
-            <a:pPr marL="0" indent="0">
-              <a:buNone/>
-            </a:pPr>
-            <a:r>
-              <a:rPr lang="en-CA" sz="2400" dirty="0" smtClean="0"/>
-              <a:t>116 33</a:t>
-            </a:r>
-            <a:endParaRPr lang="en-US" sz="2400" dirty="0"/>
-          </a:p>
-        </p:txBody>
-      </p:sp>
-      <p:pic>
-        <p:nvPicPr>
-          <p:cNvPr id="1026" name="Picture 2" descr="Image result for ascii table"/>
-          <p:cNvPicPr>
-            <a:picLocks noChangeAspect="1" noChangeArrowheads="1"/>
-          </p:cNvPicPr>
-          <p:nvPr/>
-        </p:nvPicPr>
-        <p:blipFill>
-          <a:blip r:embed="rId2" cstate="print">
-            <a:extLst>
-              <a:ext uri="{28A0092B-C50C-407E-A947-70E740481C1C}">
-                <a14:useLocalDpi xmlns:a14="http://schemas.microsoft.com/office/drawing/2010/main" xmlns="" val="0"/>
-              </a:ext>
-            </a:extLst>
-          </a:blip>
-          <a:srcRect/>
-          <a:stretch>
-            <a:fillRect/>
-          </a:stretch>
-        </p:blipFill>
-        <p:spPr bwMode="auto">
-          <a:xfrm>
-            <a:off x="2971800" y="1417638"/>
-            <a:ext cx="5562600" cy="5327348"/>
-          </a:xfrm>
-          <a:prstGeom prst="rect">
-            <a:avLst/>
-          </a:prstGeom>
-          <a:noFill/>
-          <a:extLst>
-            <a:ext uri="{909E8E84-426E-40DD-AFC4-6F175D3DCCD1}">
-              <a14:hiddenFill xmlns:a14="http://schemas.microsoft.com/office/drawing/2010/main" xmlns="">
-                <a:solidFill>
-                  <a:srgbClr val="FFFFFF"/>
-                </a:solidFill>
-              </a14:hiddenFill>
-            </a:ext>
-          </a:extLst>
-        </p:spPr>
-      </p:pic>
-    </p:spTree>
-    <p:extLst>
-      <p:ext uri="{BB962C8B-B14F-4D97-AF65-F5344CB8AC3E}">
-        <p14:creationId xmlns:p14="http://schemas.microsoft.com/office/powerpoint/2010/main" xmlns="" val="2692679271"/>
-      </p:ext>
-    </p:extLst>
-  </p:cSld>
-  <p:clrMapOvr>
-    <a:masterClrMapping/>
-  </p:clrMapOvr>
 </p:sld>
 </file>
 
